--- a/2022 Ideas.pptx
+++ b/2022 Ideas.pptx
@@ -11,14 +11,15 @@
     <p:sldId id="261" r:id="rId5"/>
     <p:sldId id="263" r:id="rId6"/>
     <p:sldId id="260" r:id="rId7"/>
-    <p:sldId id="264" r:id="rId8"/>
-    <p:sldId id="266" r:id="rId9"/>
-    <p:sldId id="267" r:id="rId10"/>
-    <p:sldId id="265" r:id="rId11"/>
-    <p:sldId id="262" r:id="rId12"/>
-    <p:sldId id="269" r:id="rId13"/>
-    <p:sldId id="268" r:id="rId14"/>
-    <p:sldId id="259" r:id="rId15"/>
+    <p:sldId id="270" r:id="rId8"/>
+    <p:sldId id="264" r:id="rId9"/>
+    <p:sldId id="266" r:id="rId10"/>
+    <p:sldId id="267" r:id="rId11"/>
+    <p:sldId id="265" r:id="rId12"/>
+    <p:sldId id="262" r:id="rId13"/>
+    <p:sldId id="269" r:id="rId14"/>
+    <p:sldId id="268" r:id="rId15"/>
+    <p:sldId id="259" r:id="rId16"/>
   </p:sldIdLst>
   <p:sldSz cx="12192000" cy="6858000"/>
   <p:notesSz cx="6858000" cy="9144000"/>
@@ -117,6 +118,11 @@
       </a:defRPr>
     </a:lvl9pPr>
   </p:defaultTextStyle>
+  <p:extLst>
+    <p:ext uri="{EFAFB233-063F-42B5-8137-9DF3F51BA10A}">
+      <p15:sldGuideLst xmlns:p15="http://schemas.microsoft.com/office/powerpoint/2012/main"/>
+    </p:ext>
+  </p:extLst>
 </p:presentation>
 </file>
 
@@ -3095,6 +3101,90 @@
         </p:blipFill>
         <p:spPr>
           <a:xfrm>
+            <a:off x="2790825" y="761220"/>
+            <a:ext cx="9401175" cy="5934075"/>
+          </a:xfrm>
+          <a:prstGeom prst="rect">
+            <a:avLst/>
+          </a:prstGeom>
+        </p:spPr>
+      </p:pic>
+    </p:spTree>
+    <p:extLst>
+      <p:ext uri="{BB962C8B-B14F-4D97-AF65-F5344CB8AC3E}">
+        <p14:creationId xmlns:p14="http://schemas.microsoft.com/office/powerpoint/2010/main" val="1959637774"/>
+      </p:ext>
+    </p:extLst>
+  </p:cSld>
+  <p:clrMapOvr>
+    <a:masterClrMapping/>
+  </p:clrMapOvr>
+</p:sld>
+</file>
+
+<file path=ppt/slides/slide11.xml><?xml version="1.0" encoding="utf-8"?>
+<p:sld xmlns:a="http://schemas.openxmlformats.org/drawingml/2006/main" xmlns:r="http://schemas.openxmlformats.org/officeDocument/2006/relationships" xmlns:p="http://schemas.openxmlformats.org/presentationml/2006/main">
+  <p:cSld>
+    <p:spTree>
+      <p:nvGrpSpPr>
+        <p:cNvPr id="1" name=""/>
+        <p:cNvGrpSpPr/>
+        <p:nvPr/>
+      </p:nvGrpSpPr>
+      <p:grpSpPr>
+        <a:xfrm>
+          <a:off x="0" y="0"/>
+          <a:ext cx="0" cy="0"/>
+          <a:chOff x="0" y="0"/>
+          <a:chExt cx="0" cy="0"/>
+        </a:xfrm>
+      </p:grpSpPr>
+      <p:sp>
+        <p:nvSpPr>
+          <p:cNvPr id="2" name="Title 1"/>
+          <p:cNvSpPr>
+            <a:spLocks noGrp="1"/>
+          </p:cNvSpPr>
+          <p:nvPr>
+            <p:ph type="title"/>
+          </p:nvPr>
+        </p:nvSpPr>
+        <p:spPr>
+          <a:xfrm>
+            <a:off x="165847" y="383147"/>
+            <a:ext cx="10515600" cy="468593"/>
+          </a:xfrm>
+        </p:spPr>
+        <p:txBody>
+          <a:bodyPr>
+            <a:normAutofit fontScale="90000"/>
+          </a:bodyPr>
+          <a:lstStyle/>
+          <a:p>
+            <a:r>
+              <a:rPr lang="en-US" dirty="0" smtClean="0"/>
+              <a:t>Read Joysticks</a:t>
+            </a:r>
+            <a:endParaRPr lang="en-US" dirty="0"/>
+          </a:p>
+        </p:txBody>
+      </p:sp>
+      <p:pic>
+        <p:nvPicPr>
+          <p:cNvPr id="3" name="Picture 2"/>
+          <p:cNvPicPr>
+            <a:picLocks noChangeAspect="1"/>
+          </p:cNvPicPr>
+          <p:nvPr/>
+        </p:nvPicPr>
+        <p:blipFill>
+          <a:blip r:embed="rId2"/>
+          <a:stretch>
+            <a:fillRect/>
+          </a:stretch>
+        </p:blipFill>
+        <p:spPr>
+          <a:xfrm>
             <a:off x="2071687" y="1828800"/>
             <a:ext cx="8048625" cy="3200400"/>
           </a:xfrm>
@@ -3116,7 +3206,7 @@
 </p:sld>
 </file>
 
-<file path=ppt/slides/slide11.xml><?xml version="1.0" encoding="utf-8"?>
+<file path=ppt/slides/slide12.xml><?xml version="1.0" encoding="utf-8"?>
 <p:sld xmlns:a="http://schemas.openxmlformats.org/drawingml/2006/main" xmlns:r="http://schemas.openxmlformats.org/officeDocument/2006/relationships" xmlns:p="http://schemas.openxmlformats.org/presentationml/2006/main">
   <p:cSld>
     <p:spTree>
@@ -3193,7 +3283,7 @@
 </p:sld>
 </file>
 
-<file path=ppt/slides/slide12.xml><?xml version="1.0" encoding="utf-8"?>
+<file path=ppt/slides/slide13.xml><?xml version="1.0" encoding="utf-8"?>
 <p:sld xmlns:a="http://schemas.openxmlformats.org/drawingml/2006/main" xmlns:r="http://schemas.openxmlformats.org/officeDocument/2006/relationships" xmlns:p="http://schemas.openxmlformats.org/presentationml/2006/main">
   <p:cSld>
     <p:spTree>
@@ -3270,7 +3360,7 @@
 </p:sld>
 </file>
 
-<file path=ppt/slides/slide13.xml><?xml version="1.0" encoding="utf-8"?>
+<file path=ppt/slides/slide14.xml><?xml version="1.0" encoding="utf-8"?>
 <p:sld xmlns:a="http://schemas.openxmlformats.org/drawingml/2006/main" xmlns:r="http://schemas.openxmlformats.org/officeDocument/2006/relationships" xmlns:p="http://schemas.openxmlformats.org/presentationml/2006/main">
   <p:cSld>
     <p:spTree>
@@ -3352,7 +3442,7 @@
 </p:sld>
 </file>
 
-<file path=ppt/slides/slide14.xml><?xml version="1.0" encoding="utf-8"?>
+<file path=ppt/slides/slide15.xml><?xml version="1.0" encoding="utf-8"?>
 <p:sld xmlns:a="http://schemas.openxmlformats.org/drawingml/2006/main" xmlns:r="http://schemas.openxmlformats.org/officeDocument/2006/relationships" xmlns:p="http://schemas.openxmlformats.org/presentationml/2006/main">
   <p:cSld>
     <p:spTree>
@@ -3799,6 +3889,90 @@
       </p:sp>
       <p:pic>
         <p:nvPicPr>
+          <p:cNvPr id="5" name="Picture 4"/>
+          <p:cNvPicPr>
+            <a:picLocks noChangeAspect="1"/>
+          </p:cNvPicPr>
+          <p:nvPr/>
+        </p:nvPicPr>
+        <p:blipFill>
+          <a:blip r:embed="rId2"/>
+          <a:stretch>
+            <a:fillRect/>
+          </a:stretch>
+        </p:blipFill>
+        <p:spPr>
+          <a:xfrm>
+            <a:off x="2534170" y="1986742"/>
+            <a:ext cx="8116428" cy="3552911"/>
+          </a:xfrm>
+          <a:prstGeom prst="rect">
+            <a:avLst/>
+          </a:prstGeom>
+        </p:spPr>
+      </p:pic>
+    </p:spTree>
+    <p:extLst>
+      <p:ext uri="{BB962C8B-B14F-4D97-AF65-F5344CB8AC3E}">
+        <p14:creationId xmlns:p14="http://schemas.microsoft.com/office/powerpoint/2010/main" val="1622296143"/>
+      </p:ext>
+    </p:extLst>
+  </p:cSld>
+  <p:clrMapOvr>
+    <a:masterClrMapping/>
+  </p:clrMapOvr>
+</p:sld>
+</file>
+
+<file path=ppt/slides/slide7.xml><?xml version="1.0" encoding="utf-8"?>
+<p:sld xmlns:a="http://schemas.openxmlformats.org/drawingml/2006/main" xmlns:r="http://schemas.openxmlformats.org/officeDocument/2006/relationships" xmlns:p="http://schemas.openxmlformats.org/presentationml/2006/main">
+  <p:cSld>
+    <p:spTree>
+      <p:nvGrpSpPr>
+        <p:cNvPr id="1" name=""/>
+        <p:cNvGrpSpPr/>
+        <p:nvPr/>
+      </p:nvGrpSpPr>
+      <p:grpSpPr>
+        <a:xfrm>
+          <a:off x="0" y="0"/>
+          <a:ext cx="0" cy="0"/>
+          <a:chOff x="0" y="0"/>
+          <a:chExt cx="0" cy="0"/>
+        </a:xfrm>
+      </p:grpSpPr>
+      <p:sp>
+        <p:nvSpPr>
+          <p:cNvPr id="2" name="Title 1"/>
+          <p:cNvSpPr>
+            <a:spLocks noGrp="1"/>
+          </p:cNvSpPr>
+          <p:nvPr>
+            <p:ph type="title"/>
+          </p:nvPr>
+        </p:nvSpPr>
+        <p:spPr>
+          <a:xfrm>
+            <a:off x="165847" y="383147"/>
+            <a:ext cx="10515600" cy="468593"/>
+          </a:xfrm>
+        </p:spPr>
+        <p:txBody>
+          <a:bodyPr>
+            <a:normAutofit fontScale="90000"/>
+          </a:bodyPr>
+          <a:lstStyle/>
+          <a:p>
+            <a:r>
+              <a:rPr lang="en-US" dirty="0" smtClean="0"/>
+              <a:t>Read Joysticks</a:t>
+            </a:r>
+            <a:endParaRPr lang="en-US" dirty="0"/>
+          </a:p>
+        </p:txBody>
+      </p:sp>
+      <p:pic>
+        <p:nvPicPr>
           <p:cNvPr id="3" name="Picture 2"/>
           <p:cNvPicPr>
             <a:picLocks noChangeAspect="1"/>
@@ -3824,7 +3998,7 @@
     </p:spTree>
     <p:extLst>
       <p:ext uri="{BB962C8B-B14F-4D97-AF65-F5344CB8AC3E}">
-        <p14:creationId xmlns:p14="http://schemas.microsoft.com/office/powerpoint/2010/main" val="1622296143"/>
+        <p14:creationId xmlns:p14="http://schemas.microsoft.com/office/powerpoint/2010/main" val="1977191502"/>
       </p:ext>
     </p:extLst>
   </p:cSld>
@@ -3834,7 +4008,7 @@
 </p:sld>
 </file>
 
-<file path=ppt/slides/slide7.xml><?xml version="1.0" encoding="utf-8"?>
+<file path=ppt/slides/slide8.xml><?xml version="1.0" encoding="utf-8"?>
 <p:sld xmlns:a="http://schemas.openxmlformats.org/drawingml/2006/main" xmlns:r="http://schemas.openxmlformats.org/officeDocument/2006/relationships" xmlns:p="http://schemas.openxmlformats.org/presentationml/2006/main">
   <p:cSld>
     <p:spTree>
@@ -3918,7 +4092,7 @@
 </p:sld>
 </file>
 
-<file path=ppt/slides/slide8.xml><?xml version="1.0" encoding="utf-8"?>
+<file path=ppt/slides/slide9.xml><?xml version="1.0" encoding="utf-8"?>
 <p:sld xmlns:a="http://schemas.openxmlformats.org/drawingml/2006/main" xmlns:r="http://schemas.openxmlformats.org/officeDocument/2006/relationships" xmlns:p="http://schemas.openxmlformats.org/presentationml/2006/main">
   <p:cSld>
     <p:spTree>
@@ -3993,90 +4167,6 @@
     <p:extLst>
       <p:ext uri="{BB962C8B-B14F-4D97-AF65-F5344CB8AC3E}">
         <p14:creationId xmlns:p14="http://schemas.microsoft.com/office/powerpoint/2010/main" val="1305169993"/>
-      </p:ext>
-    </p:extLst>
-  </p:cSld>
-  <p:clrMapOvr>
-    <a:masterClrMapping/>
-  </p:clrMapOvr>
-</p:sld>
-</file>
-
-<file path=ppt/slides/slide9.xml><?xml version="1.0" encoding="utf-8"?>
-<p:sld xmlns:a="http://schemas.openxmlformats.org/drawingml/2006/main" xmlns:r="http://schemas.openxmlformats.org/officeDocument/2006/relationships" xmlns:p="http://schemas.openxmlformats.org/presentationml/2006/main">
-  <p:cSld>
-    <p:spTree>
-      <p:nvGrpSpPr>
-        <p:cNvPr id="1" name=""/>
-        <p:cNvGrpSpPr/>
-        <p:nvPr/>
-      </p:nvGrpSpPr>
-      <p:grpSpPr>
-        <a:xfrm>
-          <a:off x="0" y="0"/>
-          <a:ext cx="0" cy="0"/>
-          <a:chOff x="0" y="0"/>
-          <a:chExt cx="0" cy="0"/>
-        </a:xfrm>
-      </p:grpSpPr>
-      <p:sp>
-        <p:nvSpPr>
-          <p:cNvPr id="2" name="Title 1"/>
-          <p:cNvSpPr>
-            <a:spLocks noGrp="1"/>
-          </p:cNvSpPr>
-          <p:nvPr>
-            <p:ph type="title"/>
-          </p:nvPr>
-        </p:nvSpPr>
-        <p:spPr>
-          <a:xfrm>
-            <a:off x="165847" y="383147"/>
-            <a:ext cx="10515600" cy="468593"/>
-          </a:xfrm>
-        </p:spPr>
-        <p:txBody>
-          <a:bodyPr>
-            <a:normAutofit fontScale="90000"/>
-          </a:bodyPr>
-          <a:lstStyle/>
-          <a:p>
-            <a:r>
-              <a:rPr lang="en-US" dirty="0" smtClean="0"/>
-              <a:t>Read Joysticks</a:t>
-            </a:r>
-            <a:endParaRPr lang="en-US" dirty="0"/>
-          </a:p>
-        </p:txBody>
-      </p:sp>
-      <p:pic>
-        <p:nvPicPr>
-          <p:cNvPr id="3" name="Picture 2"/>
-          <p:cNvPicPr>
-            <a:picLocks noChangeAspect="1"/>
-          </p:cNvPicPr>
-          <p:nvPr/>
-        </p:nvPicPr>
-        <p:blipFill>
-          <a:blip r:embed="rId2"/>
-          <a:stretch>
-            <a:fillRect/>
-          </a:stretch>
-        </p:blipFill>
-        <p:spPr>
-          <a:xfrm>
-            <a:off x="2790825" y="761220"/>
-            <a:ext cx="9401175" cy="5934075"/>
-          </a:xfrm>
-          <a:prstGeom prst="rect">
-            <a:avLst/>
-          </a:prstGeom>
-        </p:spPr>
-      </p:pic>
-    </p:spTree>
-    <p:extLst>
-      <p:ext uri="{BB962C8B-B14F-4D97-AF65-F5344CB8AC3E}">
-        <p14:creationId xmlns:p14="http://schemas.microsoft.com/office/powerpoint/2010/main" val="1959637774"/>
       </p:ext>
     </p:extLst>
   </p:cSld>
